--- a/Group 3 EDA Presentation.pptx
+++ b/Group 3 EDA Presentation.pptx
@@ -5121,7 +5121,7 @@
               <a:rPr lang="en-US" smtClean="0"/>
               <a:t>5/15/2024</a:t>
             </a:fld>
-            <a:endParaRPr lang="en-US"/>
+            <a:endParaRPr lang="en-US" dirty="0"/>
           </a:p>
         </p:txBody>
       </p:sp>
@@ -5140,7 +5140,7 @@
           <a:bodyPr/>
           <a:lstStyle/>
           <a:p>
-            <a:endParaRPr lang="en-US"/>
+            <a:endParaRPr lang="en-US" dirty="0"/>
           </a:p>
         </p:txBody>
       </p:sp>
@@ -5163,7 +5163,7 @@
               <a:rPr lang="en-US" smtClean="0"/>
               <a:t>‹#›</a:t>
             </a:fld>
-            <a:endParaRPr lang="en-US"/>
+            <a:endParaRPr lang="en-US" dirty="0"/>
           </a:p>
         </p:txBody>
       </p:sp>
@@ -5460,10 +5460,9 @@
           <a:lstStyle/>
           <a:p>
             <a:r>
-              <a:rPr lang="en-US"/>
+              <a:rPr lang="en-US" dirty="0"/>
               <a:t>9/4/20XX</a:t>
             </a:r>
-            <a:endParaRPr lang="en-US" dirty="0"/>
           </a:p>
         </p:txBody>
       </p:sp>
@@ -5483,10 +5482,9 @@
           <a:lstStyle/>
           <a:p>
             <a:r>
-              <a:rPr lang="en-US"/>
+              <a:rPr lang="en-US" dirty="0"/>
               <a:t>Presentation Title</a:t>
             </a:r>
-            <a:endParaRPr lang="en-US" dirty="0"/>
           </a:p>
         </p:txBody>
       </p:sp>
@@ -5779,10 +5777,9 @@
           <a:lstStyle/>
           <a:p>
             <a:r>
-              <a:rPr lang="en-US"/>
+              <a:rPr lang="en-US" dirty="0"/>
               <a:t>9/4/20XX</a:t>
             </a:r>
-            <a:endParaRPr lang="en-US" dirty="0"/>
           </a:p>
         </p:txBody>
       </p:sp>
@@ -5802,10 +5799,9 @@
           <a:lstStyle/>
           <a:p>
             <a:r>
-              <a:rPr lang="en-US"/>
+              <a:rPr lang="en-US" dirty="0"/>
               <a:t>Presentation Title</a:t>
             </a:r>
-            <a:endParaRPr lang="en-US" dirty="0"/>
           </a:p>
         </p:txBody>
       </p:sp>
@@ -6125,10 +6121,9 @@
           <a:lstStyle/>
           <a:p>
             <a:r>
-              <a:rPr lang="en-US"/>
+              <a:rPr lang="en-US" dirty="0"/>
               <a:t>9/4/20XX</a:t>
             </a:r>
-            <a:endParaRPr lang="en-US" dirty="0"/>
           </a:p>
         </p:txBody>
       </p:sp>
@@ -6148,10 +6143,9 @@
           <a:lstStyle/>
           <a:p>
             <a:r>
-              <a:rPr lang="en-US"/>
+              <a:rPr lang="en-US" dirty="0"/>
               <a:t>Presentation Title</a:t>
             </a:r>
-            <a:endParaRPr lang="en-US" dirty="0"/>
           </a:p>
         </p:txBody>
       </p:sp>
@@ -6444,10 +6438,9 @@
           <a:lstStyle/>
           <a:p>
             <a:r>
-              <a:rPr lang="en-US"/>
+              <a:rPr lang="en-US" dirty="0"/>
               <a:t>9/4/20XX</a:t>
             </a:r>
-            <a:endParaRPr lang="en-US" dirty="0"/>
           </a:p>
         </p:txBody>
       </p:sp>
@@ -6467,10 +6460,9 @@
           <a:lstStyle/>
           <a:p>
             <a:r>
-              <a:rPr lang="en-US"/>
+              <a:rPr lang="en-US" dirty="0"/>
               <a:t>Presentation Title</a:t>
             </a:r>
-            <a:endParaRPr lang="en-US" dirty="0"/>
           </a:p>
         </p:txBody>
       </p:sp>
@@ -6842,10 +6834,9 @@
           <a:lstStyle/>
           <a:p>
             <a:r>
-              <a:rPr lang="en-US"/>
+              <a:rPr lang="en-US" dirty="0"/>
               <a:t>9/4/20XX</a:t>
             </a:r>
-            <a:endParaRPr lang="en-US" dirty="0"/>
           </a:p>
         </p:txBody>
       </p:sp>
@@ -6865,10 +6856,9 @@
           <a:lstStyle/>
           <a:p>
             <a:r>
-              <a:rPr lang="en-US"/>
+              <a:rPr lang="en-US" dirty="0"/>
               <a:t>Presentation Title</a:t>
             </a:r>
-            <a:endParaRPr lang="en-US" dirty="0"/>
           </a:p>
         </p:txBody>
       </p:sp>
@@ -7017,10 +7007,9 @@
           <a:lstStyle/>
           <a:p>
             <a:r>
-              <a:rPr lang="en-US"/>
+              <a:rPr lang="en-US" dirty="0"/>
               <a:t>9/4/20XX</a:t>
             </a:r>
-            <a:endParaRPr lang="en-US" dirty="0"/>
           </a:p>
         </p:txBody>
       </p:sp>
@@ -7040,10 +7029,9 @@
           <a:lstStyle/>
           <a:p>
             <a:r>
-              <a:rPr lang="en-US"/>
+              <a:rPr lang="en-US" dirty="0"/>
               <a:t>Presentation Title</a:t>
             </a:r>
-            <a:endParaRPr lang="en-US" dirty="0"/>
           </a:p>
         </p:txBody>
       </p:sp>
@@ -7202,10 +7190,9 @@
           <a:lstStyle/>
           <a:p>
             <a:r>
-              <a:rPr lang="en-US"/>
+              <a:rPr lang="en-US" dirty="0"/>
               <a:t>9/4/20XX</a:t>
             </a:r>
-            <a:endParaRPr lang="en-US" dirty="0"/>
           </a:p>
         </p:txBody>
       </p:sp>
@@ -7225,10 +7212,9 @@
           <a:lstStyle/>
           <a:p>
             <a:r>
-              <a:rPr lang="en-US"/>
+              <a:rPr lang="en-US" dirty="0"/>
               <a:t>Presentation Title</a:t>
             </a:r>
-            <a:endParaRPr lang="en-US" dirty="0"/>
           </a:p>
         </p:txBody>
       </p:sp>
@@ -7663,10 +7649,9 @@
           </a:lstStyle>
           <a:p>
             <a:r>
-              <a:rPr lang="en-US"/>
+              <a:rPr lang="en-US" dirty="0"/>
               <a:t>Click icon to add picture</a:t>
             </a:r>
-            <a:endParaRPr lang="en-US" dirty="0"/>
           </a:p>
         </p:txBody>
       </p:sp>
@@ -7926,10 +7911,9 @@
           </a:lstStyle>
           <a:p>
             <a:r>
-              <a:rPr lang="en-US"/>
+              <a:rPr lang="en-US" dirty="0"/>
               <a:t>Click icon to add picture</a:t>
             </a:r>
-            <a:endParaRPr lang="en-US" dirty="0"/>
           </a:p>
         </p:txBody>
       </p:sp>
@@ -7965,10 +7949,9 @@
           </a:lstStyle>
           <a:p>
             <a:r>
-              <a:rPr lang="en-US"/>
+              <a:rPr lang="en-US" dirty="0"/>
               <a:t>Click icon to add picture</a:t>
             </a:r>
-            <a:endParaRPr lang="en-US" dirty="0"/>
           </a:p>
         </p:txBody>
       </p:sp>
@@ -8289,10 +8272,9 @@
           </a:lstStyle>
           <a:p>
             <a:r>
-              <a:rPr lang="en-US"/>
+              <a:rPr lang="en-US" dirty="0"/>
               <a:t>Click icon to add picture</a:t>
             </a:r>
-            <a:endParaRPr lang="en-US" dirty="0"/>
           </a:p>
         </p:txBody>
       </p:sp>
@@ -8328,10 +8310,9 @@
           </a:lstStyle>
           <a:p>
             <a:r>
-              <a:rPr lang="en-US"/>
+              <a:rPr lang="en-US" dirty="0"/>
               <a:t>Click icon to add picture</a:t>
             </a:r>
-            <a:endParaRPr lang="en-US" dirty="0"/>
           </a:p>
         </p:txBody>
       </p:sp>
@@ -8533,10 +8514,9 @@
           </a:lstStyle>
           <a:p>
             <a:r>
-              <a:rPr lang="en-US"/>
+              <a:rPr lang="en-US" dirty="0"/>
               <a:t>Click icon to add picture</a:t>
             </a:r>
-            <a:endParaRPr lang="en-US" dirty="0"/>
           </a:p>
         </p:txBody>
       </p:sp>
@@ -8762,10 +8742,9 @@
           <a:lstStyle/>
           <a:p>
             <a:r>
-              <a:rPr lang="en-US"/>
+              <a:rPr lang="en-US" dirty="0"/>
               <a:t>9/4/20XX</a:t>
             </a:r>
-            <a:endParaRPr lang="en-US" dirty="0"/>
           </a:p>
         </p:txBody>
       </p:sp>
@@ -8785,10 +8764,9 @@
           <a:lstStyle/>
           <a:p>
             <a:r>
-              <a:rPr lang="en-US"/>
+              <a:rPr lang="en-US" dirty="0"/>
               <a:t>Presentation Title</a:t>
             </a:r>
-            <a:endParaRPr lang="en-US" dirty="0"/>
           </a:p>
         </p:txBody>
       </p:sp>
@@ -9107,7 +9085,7 @@
               <a:rPr lang="en-US" smtClean="0"/>
               <a:t>5/15/2024</a:t>
             </a:fld>
-            <a:endParaRPr lang="en-US"/>
+            <a:endParaRPr lang="en-US" dirty="0"/>
           </a:p>
         </p:txBody>
       </p:sp>
@@ -9126,7 +9104,7 @@
           <a:bodyPr/>
           <a:lstStyle/>
           <a:p>
-            <a:endParaRPr lang="en-US"/>
+            <a:endParaRPr lang="en-US" dirty="0"/>
           </a:p>
         </p:txBody>
       </p:sp>
@@ -9149,7 +9127,7 @@
               <a:rPr lang="en-US" smtClean="0"/>
               <a:t>‹#›</a:t>
             </a:fld>
-            <a:endParaRPr lang="en-US"/>
+            <a:endParaRPr lang="en-US" dirty="0"/>
           </a:p>
         </p:txBody>
       </p:sp>
@@ -9593,10 +9571,9 @@
           <a:lstStyle/>
           <a:p>
             <a:r>
-              <a:rPr lang="en-US"/>
+              <a:rPr lang="en-US" dirty="0"/>
               <a:t>9/4/20XX</a:t>
             </a:r>
-            <a:endParaRPr lang="en-US" dirty="0"/>
           </a:p>
         </p:txBody>
       </p:sp>
@@ -9616,10 +9593,9 @@
           <a:lstStyle/>
           <a:p>
             <a:r>
-              <a:rPr lang="en-US"/>
+              <a:rPr lang="en-US" dirty="0"/>
               <a:t>Presentation Title</a:t>
             </a:r>
-            <a:endParaRPr lang="en-US" dirty="0"/>
           </a:p>
         </p:txBody>
       </p:sp>
@@ -9972,10 +9948,9 @@
           <a:lstStyle/>
           <a:p>
             <a:r>
-              <a:rPr lang="en-US"/>
+              <a:rPr lang="en-US" dirty="0"/>
               <a:t>9/4/20XX</a:t>
             </a:r>
-            <a:endParaRPr lang="en-US" dirty="0"/>
           </a:p>
         </p:txBody>
       </p:sp>
@@ -9995,10 +9970,9 @@
           <a:lstStyle/>
           <a:p>
             <a:r>
-              <a:rPr lang="en-US"/>
+              <a:rPr lang="en-US" dirty="0"/>
               <a:t>Presentation Title</a:t>
             </a:r>
-            <a:endParaRPr lang="en-US" dirty="0"/>
           </a:p>
         </p:txBody>
       </p:sp>
@@ -10099,10 +10073,9 @@
           <a:lstStyle/>
           <a:p>
             <a:r>
-              <a:rPr lang="en-US"/>
+              <a:rPr lang="en-US" dirty="0"/>
               <a:t>9/4/20XX</a:t>
             </a:r>
-            <a:endParaRPr lang="en-US" dirty="0"/>
           </a:p>
         </p:txBody>
       </p:sp>
@@ -10122,10 +10095,9 @@
           <a:lstStyle/>
           <a:p>
             <a:r>
-              <a:rPr lang="en-US"/>
+              <a:rPr lang="en-US" dirty="0"/>
               <a:t>Presentation Title</a:t>
             </a:r>
-            <a:endParaRPr lang="en-US" dirty="0"/>
           </a:p>
         </p:txBody>
       </p:sp>
@@ -10289,10 +10261,9 @@
           <a:lstStyle/>
           <a:p>
             <a:r>
-              <a:rPr lang="en-US"/>
+              <a:rPr lang="en-US" dirty="0"/>
               <a:t>9/4/20XX</a:t>
             </a:r>
-            <a:endParaRPr lang="en-US" dirty="0"/>
           </a:p>
         </p:txBody>
       </p:sp>
@@ -10312,10 +10283,9 @@
           <a:lstStyle/>
           <a:p>
             <a:r>
-              <a:rPr lang="en-US"/>
+              <a:rPr lang="en-US" dirty="0"/>
               <a:t>Presentation Title</a:t>
             </a:r>
-            <a:endParaRPr lang="en-US" dirty="0"/>
           </a:p>
         </p:txBody>
       </p:sp>
@@ -10548,10 +10518,9 @@
           <a:lstStyle/>
           <a:p>
             <a:r>
-              <a:rPr lang="en-US"/>
+              <a:rPr lang="en-US" dirty="0"/>
               <a:t>9/4/20XX</a:t>
             </a:r>
-            <a:endParaRPr lang="en-US" dirty="0"/>
           </a:p>
         </p:txBody>
       </p:sp>
@@ -10571,10 +10540,9 @@
           <a:lstStyle/>
           <a:p>
             <a:r>
-              <a:rPr lang="en-US"/>
+              <a:rPr lang="en-US" dirty="0"/>
               <a:t>Presentation Title</a:t>
             </a:r>
-            <a:endParaRPr lang="en-US" dirty="0"/>
           </a:p>
         </p:txBody>
       </p:sp>
@@ -10725,10 +10693,9 @@
           </a:lstStyle>
           <a:p>
             <a:r>
-              <a:rPr lang="en-US"/>
+              <a:rPr lang="en-US" dirty="0"/>
               <a:t>Click icon to add picture</a:t>
             </a:r>
-            <a:endParaRPr lang="en-US" dirty="0"/>
           </a:p>
         </p:txBody>
       </p:sp>
@@ -10815,10 +10782,9 @@
           <a:lstStyle/>
           <a:p>
             <a:r>
-              <a:rPr lang="en-US"/>
+              <a:rPr lang="en-US" dirty="0"/>
               <a:t>9/4/20XX</a:t>
             </a:r>
-            <a:endParaRPr lang="en-US" dirty="0"/>
           </a:p>
         </p:txBody>
       </p:sp>
@@ -10838,10 +10804,9 @@
           <a:lstStyle/>
           <a:p>
             <a:r>
-              <a:rPr lang="en-US"/>
+              <a:rPr lang="en-US" dirty="0"/>
               <a:t>Presentation Title</a:t>
             </a:r>
-            <a:endParaRPr lang="en-US" dirty="0"/>
           </a:p>
         </p:txBody>
       </p:sp>
@@ -11562,10 +11527,9 @@
           </a:lstStyle>
           <a:p>
             <a:r>
-              <a:rPr lang="en-US"/>
+              <a:rPr lang="en-US" dirty="0"/>
               <a:t>9/4/20XX</a:t>
             </a:r>
-            <a:endParaRPr lang="en-US" dirty="0"/>
           </a:p>
         </p:txBody>
       </p:sp>
@@ -11603,10 +11567,9 @@
           </a:lstStyle>
           <a:p>
             <a:r>
-              <a:rPr lang="en-US"/>
+              <a:rPr lang="en-US" dirty="0"/>
               <a:t>Presentation Title</a:t>
             </a:r>
-            <a:endParaRPr lang="en-US" dirty="0"/>
           </a:p>
         </p:txBody>
       </p:sp>
@@ -12696,23 +12659,7 @@
           <a:p>
             <a:r>
               <a:rPr lang="en-US" sz="1800" dirty="0"/>
-              <a:t>We spent a large amount of time merging the data files using Pandas in </a:t>
-            </a:r>
-            <a:r>
-              <a:rPr lang="en-US" sz="1800" dirty="0" err="1"/>
-              <a:t>Jupyter</a:t>
-            </a:r>
-            <a:r>
-              <a:rPr lang="en-US" sz="1800" dirty="0"/>
-              <a:t> Notebook.  Once the data files were merged we exported data in smaller chunks as csv files so that all group members could access the data on </a:t>
-            </a:r>
-            <a:r>
-              <a:rPr lang="en-US" sz="1800" dirty="0" err="1"/>
-              <a:t>gitlab</a:t>
-            </a:r>
-            <a:r>
-              <a:rPr lang="en-US" sz="1800" dirty="0"/>
-              <a:t>.</a:t>
+              <a:t>We spent a large amount of time merging the data files using Pandas in Jupyter Notebook.  Once the data files were merged we exported data in smaller chunks as csv files so that all group members could access the data on gitlab.</a:t>
             </a:r>
           </a:p>
           <a:p>
@@ -12870,7 +12817,37 @@
           <a:bodyPr/>
           <a:lstStyle/>
           <a:p>
+            <a:r>
+              <a:rPr lang="en-US" dirty="0"/>
+              <a:t>We narrowed down and simplified the genre categories</a:t>
+            </a:r>
+          </a:p>
+          <a:p>
+            <a:r>
+              <a:rPr lang="en-US" dirty="0"/>
+              <a:t>After looking at the data, it shows that Family, music, Biographies had the highest average ratings per genre, in that order. </a:t>
+            </a:r>
+          </a:p>
+          <a:p>
+            <a:r>
+              <a:rPr lang="en-US" dirty="0"/>
+              <a:t>The lowest rated genres were thriller, sci-fi, and horror taking dead last. </a:t>
+            </a:r>
+          </a:p>
+          <a:p>
+            <a:r>
+              <a:rPr lang="en-US" dirty="0"/>
+              <a:t>Horror has a higher number of movies than the top 3 highest rated genres, which one could conclude, people really just dislike most horror movies. </a:t>
+            </a:r>
+          </a:p>
+          <a:p>
             <a:endParaRPr lang="en-US" dirty="0"/>
+          </a:p>
+          <a:p>
+            <a:r>
+              <a:rPr lang="en-US" dirty="0"/>
+              <a:t>The data speaks to the likeness and quality of biographies and music films in the US due to the fact that the number of titles these genres have in comparison to comedy, drama, and action (the top 3 most movies). Comedy, drama, and action have 95% more titles than Music/Bio.  </a:t>
+            </a:r>
           </a:p>
         </p:txBody>
       </p:sp>
@@ -12990,7 +12967,28 @@
           <a:bodyPr/>
           <a:lstStyle/>
           <a:p>
-            <a:endParaRPr lang="en-US" dirty="0"/>
+            <a:r>
+              <a:rPr lang="en-US" dirty="0"/>
+              <a:t>A determination we made by correlating the number of votes and average ratings, per our scatter plot, was the higher of number of votes, generally meant the higher average of rating</a:t>
+            </a:r>
+          </a:p>
+          <a:p>
+            <a:r>
+              <a:rPr lang="en-US" dirty="0"/>
+              <a:t>Opposite of that, the data reflected the lower number of votes was correlated with lower average ratings</a:t>
+            </a:r>
+          </a:p>
+          <a:p>
+            <a:r>
+              <a:rPr lang="en-US" dirty="0"/>
+              <a:t>In summary of these trends, the more people like a genre, the more they voted and vice versa. </a:t>
+            </a:r>
+          </a:p>
+          <a:p>
+            <a:r>
+              <a:rPr lang="en-US" dirty="0"/>
+              <a:t>There are some outliers in the data that cause other questions. The IMBD data provided included some outlier films, such as 1 minute shorts from the 1890s etc. </a:t>
+            </a:r>
           </a:p>
         </p:txBody>
       </p:sp>
@@ -13054,7 +13052,7 @@
                   </a:schemeClr>
                 </a:solidFill>
               </a:rPr>
-              <a:t>Analysis:</a:t>
+              <a:t>Analysis: Top 20 Film Trends</a:t>
             </a:r>
           </a:p>
         </p:txBody>
@@ -13109,6 +13107,30 @@
         <p:txBody>
           <a:bodyPr/>
           <a:lstStyle/>
+          <a:p>
+            <a:r>
+              <a:rPr lang="en-US" dirty="0"/>
+              <a:t>Crime, Action, and Drama make up most of the top 20 most voted/highest average rated movies</a:t>
+            </a:r>
+          </a:p>
+          <a:p>
+            <a:r>
+              <a:rPr lang="en-US" dirty="0"/>
+              <a:t>This correlates with the previous trend of a higher number of votes generally led to higher rated movies</a:t>
+            </a:r>
+          </a:p>
+          <a:p>
+            <a:r>
+              <a:rPr lang="en-US" dirty="0"/>
+              <a:t>This entire list of movies were films from the last 25-30 years. This may speak to the quality of films and appeal to viewers in comparison to any time period before 1995. </a:t>
+            </a:r>
+          </a:p>
+          <a:p>
+            <a:r>
+              <a:rPr lang="en-US" dirty="0"/>
+              <a:t>Perfectly rated 10.0 movies, specifically according to the top 20 10.0 rated films from the data, have very low number of votes. This cannot reflect public opinion. Perfectly rated movies with low number of votes are outlier opinions of a few individuals who loved that specific title. </a:t>
+            </a:r>
+          </a:p>
           <a:p>
             <a:endParaRPr lang="en-US" dirty="0"/>
           </a:p>
@@ -13174,7 +13196,7 @@
                   </a:schemeClr>
                 </a:solidFill>
               </a:rPr>
-              <a:t>Analysis:</a:t>
+              <a:t>Analysis: Lowest 20 Film Trends &amp; Runtime Correlations</a:t>
             </a:r>
           </a:p>
         </p:txBody>
@@ -13230,7 +13252,28 @@
           <a:bodyPr/>
           <a:lstStyle/>
           <a:p>
-            <a:endParaRPr lang="en-US" dirty="0"/>
+            <a:r>
+              <a:rPr lang="en-US" dirty="0"/>
+              <a:t>The lowest 20 film list supported the trend of the lowest rated genre/films had very low number of votes. This supports that if a film/genre isn’t well liked to the general public, it’s less voted on. </a:t>
+            </a:r>
+          </a:p>
+          <a:p>
+            <a:r>
+              <a:rPr lang="en-US" dirty="0"/>
+              <a:t>If we had more time and/or data to study, we may have found more trends amongst the lowest rated films/genres, though this conclusion was our main discovery. </a:t>
+            </a:r>
+          </a:p>
+          <a:p>
+            <a:r>
+              <a:rPr lang="en-US" dirty="0"/>
+              <a:t>We also took runtime data from IMDB but due to very inconsistent data and a genre/title list that didn’t match our other datasets, we were unable to find correlations with ratings/number of votes with runtime. </a:t>
+            </a:r>
+          </a:p>
+          <a:p>
+            <a:r>
+              <a:rPr lang="en-US" dirty="0"/>
+              <a:t>An interesting study would be to find accurate runtimes of the film/genres that were included in the data we possessed for correlations with how it affects ratings.  </a:t>
+            </a:r>
           </a:p>
         </p:txBody>
       </p:sp>
@@ -13327,10 +13370,39 @@
           </a:xfrm>
         </p:spPr>
         <p:txBody>
-          <a:bodyPr/>
+          <a:bodyPr>
+            <a:normAutofit fontScale="92500" lnSpcReduction="10000"/>
+          </a:bodyPr>
           <a:lstStyle/>
           <a:p>
-            <a:endParaRPr lang="en-US" dirty="0"/>
+            <a:pPr marL="285750" indent="-285750">
+              <a:buFont typeface="Arial" panose="020B0604020202020204" pitchFamily="34" charset="0"/>
+              <a:buChar char="•"/>
+            </a:pPr>
+            <a:r>
+              <a:rPr lang="en-US" dirty="0"/>
+              <a:t>Family, music, and biographies are the highest rated genres in the US even though most of the top-rated films are drama, action, and crime. This is affected by the number of titles per genre. </a:t>
+            </a:r>
+          </a:p>
+          <a:p>
+            <a:pPr marL="285750" indent="-285750">
+              <a:buFont typeface="Arial" panose="020B0604020202020204" pitchFamily="34" charset="0"/>
+              <a:buChar char="•"/>
+            </a:pPr>
+            <a:r>
+              <a:rPr lang="en-US" dirty="0"/>
+              <a:t>The lowest rated genres were thriller, sci-fi, and horror in the US. The data trends especially support the general public’s dislike for the Horror genre. </a:t>
+            </a:r>
+          </a:p>
+          <a:p>
+            <a:pPr marL="285750" indent="-285750">
+              <a:buFont typeface="Arial" panose="020B0604020202020204" pitchFamily="34" charset="0"/>
+              <a:buChar char="•"/>
+            </a:pPr>
+            <a:r>
+              <a:rPr lang="en-US" dirty="0"/>
+              <a:t>Generally, higher rated films/genres receive more votes and vice versa with lower rated films/genres. People vote more on things they like. </a:t>
+            </a:r>
           </a:p>
         </p:txBody>
       </p:sp>
@@ -14274,24 +14346,6 @@
 </file>
 
 <file path=customXml/item1.xml><?xml version="1.0" encoding="utf-8"?>
-<p:properties xmlns:p="http://schemas.microsoft.com/office/2006/metadata/properties" xmlns:xsi="http://www.w3.org/2001/XMLSchema-instance" xmlns:pc="http://schemas.microsoft.com/office/infopath/2007/PartnerControls">
-  <documentManagement>
-    <Status xmlns="71af3243-3dd4-4a8d-8c0d-dd76da1f02a5">Not started</Status>
-    <MediaServiceKeyPoints xmlns="71af3243-3dd4-4a8d-8c0d-dd76da1f02a5" xsi:nil="true"/>
-  </documentManagement>
-</p:properties>
-</file>
-
-<file path=customXml/item2.xml><?xml version="1.0" encoding="utf-8"?>
-<?mso-contentType ?>
-<FormTemplates xmlns="http://schemas.microsoft.com/sharepoint/v3/contenttype/forms">
-  <Display>DocumentLibraryForm</Display>
-  <Edit>DocumentLibraryForm</Edit>
-  <New>DocumentLibraryForm</New>
-</FormTemplates>
-</file>
-
-<file path=customXml/item3.xml><?xml version="1.0" encoding="utf-8"?>
 <ct:contentTypeSchema xmlns:ct="http://schemas.microsoft.com/office/2006/metadata/contentType" xmlns:ma="http://schemas.microsoft.com/office/2006/metadata/properties/metaAttributes" ct:_="" ma:_="" ma:contentTypeName="Document" ma:contentTypeID="0x01010079F111ED35F8CC479449609E8A0923A6" ma:contentTypeVersion="12" ma:contentTypeDescription="Create a new document." ma:contentTypeScope="" ma:versionID="426e97fa315356fffbdcd9876fe988c2">
   <xsd:schema xmlns:xsd="http://www.w3.org/2001/XMLSchema" xmlns:xs="http://www.w3.org/2001/XMLSchema" xmlns:p="http://schemas.microsoft.com/office/2006/metadata/properties" xmlns:ns2="71af3243-3dd4-4a8d-8c0d-dd76da1f02a5" xmlns:ns3="16c05727-aa75-4e4a-9b5f-8a80a1165891" targetNamespace="http://schemas.microsoft.com/office/2006/metadata/properties" ma:root="true" ma:fieldsID="14b8f0def80e6d70ce3def20c90759ae" ns2:_="" ns3:_="">
     <xsd:import namespace="71af3243-3dd4-4a8d-8c0d-dd76da1f02a5"/>
@@ -14512,25 +14566,25 @@
 </ct:contentTypeSchema>
 </file>
 
-<file path=customXml/itemProps1.xml><?xml version="1.0" encoding="utf-8"?>
-<ds:datastoreItem xmlns:ds="http://schemas.openxmlformats.org/officeDocument/2006/customXml" ds:itemID="{290D7697-8E53-4EA8-8CBB-9C19575257BF}">
-  <ds:schemaRefs>
-    <ds:schemaRef ds:uri="http://schemas.microsoft.com/office/2006/metadata/properties"/>
-    <ds:schemaRef ds:uri="http://schemas.microsoft.com/office/infopath/2007/PartnerControls"/>
-    <ds:schemaRef ds:uri="71af3243-3dd4-4a8d-8c0d-dd76da1f02a5"/>
-  </ds:schemaRefs>
-</ds:datastoreItem>
+<file path=customXml/item2.xml><?xml version="1.0" encoding="utf-8"?>
+<?mso-contentType ?>
+<FormTemplates xmlns="http://schemas.microsoft.com/sharepoint/v3/contenttype/forms">
+  <Display>DocumentLibraryForm</Display>
+  <Edit>DocumentLibraryForm</Edit>
+  <New>DocumentLibraryForm</New>
+</FormTemplates>
 </file>
 
-<file path=customXml/itemProps2.xml><?xml version="1.0" encoding="utf-8"?>
-<ds:datastoreItem xmlns:ds="http://schemas.openxmlformats.org/officeDocument/2006/customXml" ds:itemID="{B927DC71-2909-427C-BDB0-3E47E2101517}">
-  <ds:schemaRefs>
-    <ds:schemaRef ds:uri="http://schemas.microsoft.com/sharepoint/v3/contenttype/forms"/>
-  </ds:schemaRefs>
-</ds:datastoreItem>
+<file path=customXml/item3.xml><?xml version="1.0" encoding="utf-8"?>
+<p:properties xmlns:p="http://schemas.microsoft.com/office/2006/metadata/properties" xmlns:xsi="http://www.w3.org/2001/XMLSchema-instance" xmlns:pc="http://schemas.microsoft.com/office/infopath/2007/PartnerControls">
+  <documentManagement>
+    <Status xmlns="71af3243-3dd4-4a8d-8c0d-dd76da1f02a5">Not started</Status>
+    <MediaServiceKeyPoints xmlns="71af3243-3dd4-4a8d-8c0d-dd76da1f02a5" xsi:nil="true"/>
+  </documentManagement>
+</p:properties>
 </file>
 
-<file path=customXml/itemProps3.xml><?xml version="1.0" encoding="utf-8"?>
+<file path=customXml/itemProps1.xml><?xml version="1.0" encoding="utf-8"?>
 <ds:datastoreItem xmlns:ds="http://schemas.openxmlformats.org/officeDocument/2006/customXml" ds:itemID="{1DF0A252-5923-47A2-A53A-F9BF72908919}">
   <ds:schemaRefs>
     <ds:schemaRef ds:uri="http://schemas.microsoft.com/office/2006/metadata/contentType"/>
@@ -14547,4 +14601,22 @@
     <ds:schemaRef ds:uri="http://schemas.microsoft.com/internal/obd"/>
   </ds:schemaRefs>
 </ds:datastoreItem>
+</file>
+
+<file path=customXml/itemProps2.xml><?xml version="1.0" encoding="utf-8"?>
+<ds:datastoreItem xmlns:ds="http://schemas.openxmlformats.org/officeDocument/2006/customXml" ds:itemID="{B927DC71-2909-427C-BDB0-3E47E2101517}">
+  <ds:schemaRefs>
+    <ds:schemaRef ds:uri="http://schemas.microsoft.com/sharepoint/v3/contenttype/forms"/>
+  </ds:schemaRefs>
+</ds:datastoreItem>
+</file>
+
+<file path=customXml/itemProps3.xml><?xml version="1.0" encoding="utf-8"?>
+<ds:datastoreItem xmlns:ds="http://schemas.openxmlformats.org/officeDocument/2006/customXml" ds:itemID="{290D7697-8E53-4EA8-8CBB-9C19575257BF}">
+  <ds:schemaRefs>
+    <ds:schemaRef ds:uri="http://schemas.microsoft.com/office/2006/metadata/properties"/>
+    <ds:schemaRef ds:uri="http://schemas.microsoft.com/office/infopath/2007/PartnerControls"/>
+    <ds:schemaRef ds:uri="71af3243-3dd4-4a8d-8c0d-dd76da1f02a5"/>
+  </ds:schemaRefs>
+</ds:datastoreItem>
 </file>